--- a/Presentation/Data_Insights.pptx
+++ b/Presentation/Data_Insights.pptx
@@ -214,7 +214,7 @@
           <a:p>
             <a:fld id="{0F9B84EA-7D68-4D60-9CB1-D50884785D1C}" type="datetimeFigureOut">
               <a:rPr lang="zh-CN" altLang="en-US" smtClean="0"/>
-              <a:t>2025/9/10</a:t>
+              <a:t>2025/9/11</a:t>
             </a:fld>
             <a:endParaRPr lang="zh-CN" altLang="en-US"/>
           </a:p>
@@ -379,7 +379,7 @@
           <a:p>
             <a:fld id="{AD4A3340-C542-46E3-BB6B-1E3F28D53E89}" type="datetimeFigureOut">
               <a:rPr lang="zh-CN" altLang="en-US" smtClean="0"/>
-              <a:t>2025/9/10</a:t>
+              <a:t>2025/9/11</a:t>
             </a:fld>
             <a:endParaRPr lang="zh-CN" altLang="en-US"/>
           </a:p>
@@ -1563,14 +1563,14 @@
           <p:nvPr>
             <p:extLst>
               <p:ext uri="{D42A27DB-BD31-4B8C-83A1-F6EECF244321}">
-                <p14:modId xmlns:p14="http://schemas.microsoft.com/office/powerpoint/2010/main" val="2079688525"/>
+                <p14:modId xmlns:p14="http://schemas.microsoft.com/office/powerpoint/2010/main" val="2247484755"/>
               </p:ext>
             </p:extLst>
           </p:nvPr>
         </p:nvGraphicFramePr>
         <p:xfrm>
           <a:off x="406400" y="854956"/>
-          <a:ext cx="8477957" cy="4024766"/>
+          <a:ext cx="8477957" cy="4238126"/>
         </p:xfrm>
         <a:graphic>
           <a:graphicData uri="http://schemas.openxmlformats.org/drawingml/2006/table">
@@ -2164,8 +2164,21 @@
                             <a:schemeClr val="tx2"/>
                           </a:solidFill>
                         </a:rPr>
-                        <a:t>, marked by both higher volume and a notable rise in the severity of delays.</a:t>
+                        <a:t>, marked by both higher volume and a notable rise in the severity of delays. </a:t>
                       </a:r>
+                      <a:r>
+                        <a:rPr lang="en-US" sz="1400" dirty="0">
+                          <a:solidFill>
+                            <a:srgbClr val="FF0000"/>
+                          </a:solidFill>
+                        </a:rPr>
+                        <a:t>Sellers locations are concentrated in Sao Paulo. Delivery route range from 71km to 1800km.</a:t>
+                      </a:r>
+                      <a:endParaRPr lang="en-US" sz="1400" dirty="0">
+                        <a:solidFill>
+                          <a:schemeClr val="tx2"/>
+                        </a:solidFill>
+                      </a:endParaRPr>
                     </a:p>
                   </a:txBody>
                   <a:tcPr marL="63655" marR="63655" marT="31827" marB="31827">
@@ -2226,7 +2239,23 @@
                             <a:schemeClr val="tx2"/>
                           </a:solidFill>
                         </a:rPr>
-                        <a:t>The delivery department should conduct a root-cause analysis of the April 2018 spike to prevent similar issues in the future.</a:t>
+                        <a:t>The delivery department should conduct a root-cause analysis of the April 2018 spike </a:t>
+                      </a:r>
+                      <a:r>
+                        <a:rPr lang="en-US" sz="1400" dirty="0">
+                          <a:solidFill>
+                            <a:srgbClr val="FF0000"/>
+                          </a:solidFill>
+                        </a:rPr>
+                        <a:t>considering seller vs customer locations and delivery routes </a:t>
+                      </a:r>
+                      <a:r>
+                        <a:rPr lang="en-US" sz="1400" dirty="0">
+                          <a:solidFill>
+                            <a:schemeClr val="tx2"/>
+                          </a:solidFill>
+                        </a:rPr>
+                        <a:t>to prevent similar issues in the future.</a:t>
                       </a:r>
                     </a:p>
                   </a:txBody>
@@ -2536,7 +2565,7 @@
         </p:blipFill>
         <p:spPr>
           <a:xfrm>
-            <a:off x="800005" y="2956638"/>
+            <a:off x="753675" y="3093162"/>
             <a:ext cx="632285" cy="577047"/>
           </a:xfrm>
           <a:prstGeom prst="rect">
@@ -2567,7 +2596,7 @@
         </p:blipFill>
         <p:spPr>
           <a:xfrm>
-            <a:off x="715722" y="3940105"/>
+            <a:off x="715722" y="4222321"/>
             <a:ext cx="683644" cy="696877"/>
           </a:xfrm>
           <a:prstGeom prst="rect">
@@ -3535,8 +3564,80 @@
         </p:blipFill>
         <p:spPr>
           <a:xfrm>
-            <a:off x="1542272" y="801170"/>
-            <a:ext cx="5366528" cy="4362896"/>
+            <a:off x="801005" y="801170"/>
+            <a:ext cx="4676430" cy="3801858"/>
+          </a:xfrm>
+          <a:prstGeom prst="rect">
+            <a:avLst/>
+          </a:prstGeom>
+        </p:spPr>
+      </p:pic>
+      <p:pic>
+        <p:nvPicPr>
+          <p:cNvPr id="3" name="Picture 2">
+            <a:extLst>
+              <a:ext uri="{FF2B5EF4-FFF2-40B4-BE49-F238E27FC236}">
+                <a16:creationId xmlns:a16="http://schemas.microsoft.com/office/drawing/2014/main" id="{42952B5E-150E-1DD8-7571-43A97C5C945B}"/>
+              </a:ext>
+            </a:extLst>
+          </p:cNvPr>
+          <p:cNvPicPr>
+            <a:picLocks noChangeAspect="1"/>
+          </p:cNvPicPr>
+          <p:nvPr/>
+        </p:nvPicPr>
+        <p:blipFill>
+          <a:blip r:embed="rId3">
+            <a:extLst>
+              <a:ext uri="{28A0092B-C50C-407E-A947-70E740481C1C}">
+                <a14:useLocalDpi xmlns:a14="http://schemas.microsoft.com/office/drawing/2010/main" val="0"/>
+              </a:ext>
+            </a:extLst>
+          </a:blip>
+          <a:stretch>
+            <a:fillRect/>
+          </a:stretch>
+        </p:blipFill>
+        <p:spPr>
+          <a:xfrm>
+            <a:off x="5570305" y="629661"/>
+            <a:ext cx="3573696" cy="1771128"/>
+          </a:xfrm>
+          <a:prstGeom prst="rect">
+            <a:avLst/>
+          </a:prstGeom>
+        </p:spPr>
+      </p:pic>
+      <p:pic>
+        <p:nvPicPr>
+          <p:cNvPr id="5" name="Picture 4">
+            <a:extLst>
+              <a:ext uri="{FF2B5EF4-FFF2-40B4-BE49-F238E27FC236}">
+                <a16:creationId xmlns:a16="http://schemas.microsoft.com/office/drawing/2014/main" id="{72BB380C-B918-C5B1-BE6D-31FB6E413337}"/>
+              </a:ext>
+            </a:extLst>
+          </p:cNvPr>
+          <p:cNvPicPr>
+            <a:picLocks noChangeAspect="1"/>
+          </p:cNvPicPr>
+          <p:nvPr/>
+        </p:nvPicPr>
+        <p:blipFill>
+          <a:blip r:embed="rId4">
+            <a:extLst>
+              <a:ext uri="{28A0092B-C50C-407E-A947-70E740481C1C}">
+                <a14:useLocalDpi xmlns:a14="http://schemas.microsoft.com/office/drawing/2010/main" val="0"/>
+              </a:ext>
+            </a:extLst>
+          </a:blip>
+          <a:stretch>
+            <a:fillRect/>
+          </a:stretch>
+        </p:blipFill>
+        <p:spPr>
+          <a:xfrm>
+            <a:off x="5585012" y="2538249"/>
+            <a:ext cx="3558988" cy="2402317"/>
           </a:xfrm>
           <a:prstGeom prst="rect">
             <a:avLst/>

--- a/Presentation/Data_Insights.pptx
+++ b/Presentation/Data_Insights.pptx
@@ -1563,7 +1563,7 @@
           <p:nvPr>
             <p:extLst>
               <p:ext uri="{D42A27DB-BD31-4B8C-83A1-F6EECF244321}">
-                <p14:modId xmlns:p14="http://schemas.microsoft.com/office/powerpoint/2010/main" val="2247484755"/>
+                <p14:modId xmlns:p14="http://schemas.microsoft.com/office/powerpoint/2010/main" val="748662632"/>
               </p:ext>
             </p:extLst>
           </p:nvPr>
@@ -2164,21 +2164,8 @@
                             <a:schemeClr val="tx2"/>
                           </a:solidFill>
                         </a:rPr>
-                        <a:t>, marked by both higher volume and a notable rise in the severity of delays. </a:t>
+                        <a:t>, marked by both higher volume and a notable rise in the severity of delays. Sellers locations are concentrated in Sao Paulo. Delivery route range from 1.5km to 2119.8km.</a:t>
                       </a:r>
-                      <a:r>
-                        <a:rPr lang="en-US" sz="1400" dirty="0">
-                          <a:solidFill>
-                            <a:srgbClr val="FF0000"/>
-                          </a:solidFill>
-                        </a:rPr>
-                        <a:t>Sellers locations are concentrated in Sao Paulo. Delivery route range from 71km to 1800km.</a:t>
-                      </a:r>
-                      <a:endParaRPr lang="en-US" sz="1400" dirty="0">
-                        <a:solidFill>
-                          <a:schemeClr val="tx2"/>
-                        </a:solidFill>
-                      </a:endParaRPr>
                     </a:p>
                   </a:txBody>
                   <a:tcPr marL="63655" marR="63655" marT="31827" marB="31827">
@@ -2239,23 +2226,7 @@
                             <a:schemeClr val="tx2"/>
                           </a:solidFill>
                         </a:rPr>
-                        <a:t>The delivery department should conduct a root-cause analysis of the April 2018 spike </a:t>
-                      </a:r>
-                      <a:r>
-                        <a:rPr lang="en-US" sz="1400" dirty="0">
-                          <a:solidFill>
-                            <a:srgbClr val="FF0000"/>
-                          </a:solidFill>
-                        </a:rPr>
-                        <a:t>considering seller vs customer locations and delivery routes </a:t>
-                      </a:r>
-                      <a:r>
-                        <a:rPr lang="en-US" sz="1400" dirty="0">
-                          <a:solidFill>
-                            <a:schemeClr val="tx2"/>
-                          </a:solidFill>
-                        </a:rPr>
-                        <a:t>to prevent similar issues in the future.</a:t>
+                        <a:t>The delivery department should conduct a root-cause analysis of the April 2018 spike considering seller vs customer locations and delivery routes to prevent similar issues in the future.</a:t>
                       </a:r>
                     </a:p>
                   </a:txBody>
@@ -3075,10 +3046,10 @@
       </p:cxnSp>
       <p:pic>
         <p:nvPicPr>
-          <p:cNvPr id="4" name="Picture 3">
+          <p:cNvPr id="3" name="Picture 2">
             <a:extLst>
               <a:ext uri="{FF2B5EF4-FFF2-40B4-BE49-F238E27FC236}">
-                <a16:creationId xmlns:a16="http://schemas.microsoft.com/office/drawing/2014/main" id="{D84B1C7C-1240-EF8F-3B7D-6A1C6441D33C}"/>
+                <a16:creationId xmlns:a16="http://schemas.microsoft.com/office/drawing/2014/main" id="{C833A34C-699B-7FFF-67A9-3C82376F44A0}"/>
               </a:ext>
             </a:extLst>
           </p:cNvPr>
@@ -3088,15 +3059,21 @@
           <p:nvPr/>
         </p:nvPicPr>
         <p:blipFill>
-          <a:blip r:embed="rId2"/>
+          <a:blip r:embed="rId2">
+            <a:extLst>
+              <a:ext uri="{28A0092B-C50C-407E-A947-70E740481C1C}">
+                <a14:useLocalDpi xmlns:a14="http://schemas.microsoft.com/office/drawing/2010/main" val="0"/>
+              </a:ext>
+            </a:extLst>
+          </a:blip>
           <a:stretch>
             <a:fillRect/>
           </a:stretch>
         </p:blipFill>
         <p:spPr>
           <a:xfrm>
-            <a:off x="748238" y="801170"/>
-            <a:ext cx="7501888" cy="4183745"/>
+            <a:off x="592493" y="735651"/>
+            <a:ext cx="8305661" cy="4247315"/>
           </a:xfrm>
           <a:prstGeom prst="rect">
             <a:avLst/>
@@ -3564,8 +3541,8 @@
         </p:blipFill>
         <p:spPr>
           <a:xfrm>
-            <a:off x="801005" y="801170"/>
-            <a:ext cx="4676430" cy="3801858"/>
+            <a:off x="465103" y="774021"/>
+            <a:ext cx="4389156" cy="3568309"/>
           </a:xfrm>
           <a:prstGeom prst="rect">
             <a:avLst/>
@@ -3600,8 +3577,8 @@
         </p:blipFill>
         <p:spPr>
           <a:xfrm>
-            <a:off x="5570305" y="629661"/>
-            <a:ext cx="3573696" cy="1771128"/>
+            <a:off x="4901128" y="652578"/>
+            <a:ext cx="4103761" cy="2033829"/>
           </a:xfrm>
           <a:prstGeom prst="rect">
             <a:avLst/>
@@ -3610,10 +3587,10 @@
       </p:pic>
       <p:pic>
         <p:nvPicPr>
-          <p:cNvPr id="5" name="Picture 4">
+          <p:cNvPr id="4" name="Picture 3">
             <a:extLst>
               <a:ext uri="{FF2B5EF4-FFF2-40B4-BE49-F238E27FC236}">
-                <a16:creationId xmlns:a16="http://schemas.microsoft.com/office/drawing/2014/main" id="{72BB380C-B918-C5B1-BE6D-31FB6E413337}"/>
+                <a16:creationId xmlns:a16="http://schemas.microsoft.com/office/drawing/2014/main" id="{B672CFCD-5F01-7C18-62A0-E6785475AB08}"/>
               </a:ext>
             </a:extLst>
           </p:cNvPr>
@@ -3636,8 +3613,8 @@
         </p:blipFill>
         <p:spPr>
           <a:xfrm>
-            <a:off x="5585012" y="2538249"/>
-            <a:ext cx="3558988" cy="2402317"/>
+            <a:off x="4901128" y="2813713"/>
+            <a:ext cx="4103761" cy="1953793"/>
           </a:xfrm>
           <a:prstGeom prst="rect">
             <a:avLst/>
